--- a/ppt 16-9/0965.耶和华你是我的.pptx
+++ b/ppt 16-9/0965.耶和华你是我的.pptx
@@ -5,7 +5,7 @@
     <p:sldMasterId id="2147483648" r:id="rId1"/>
   </p:sldMasterIdLst>
   <p:sldIdLst>
-    <p:sldId id="356" r:id="rId2"/>
+    <p:sldId id="358" r:id="rId2"/>
   </p:sldIdLst>
   <p:sldSz cx="12192000" cy="6858000"/>
   <p:notesSz cx="6858000" cy="9144000"/>
@@ -129,7 +129,7 @@
           <p:cNvPr id="2" name="标题 1">
             <a:extLst>
               <a:ext uri="{FF2B5EF4-FFF2-40B4-BE49-F238E27FC236}">
-                <a16:creationId xmlns:a16="http://schemas.microsoft.com/office/drawing/2014/main" id="{480EB4DC-4904-C27F-D9C8-EB60576A007D}"/>
+                <a16:creationId xmlns:a16="http://schemas.microsoft.com/office/drawing/2014/main" id="{D0C6E5E6-F2B2-1CA7-BA1F-7AF5E49FE751}"/>
               </a:ext>
             </a:extLst>
           </p:cNvPr>
@@ -166,7 +166,7 @@
           <p:cNvPr id="3" name="副标题 2">
             <a:extLst>
               <a:ext uri="{FF2B5EF4-FFF2-40B4-BE49-F238E27FC236}">
-                <a16:creationId xmlns:a16="http://schemas.microsoft.com/office/drawing/2014/main" id="{7066EAB1-DCE8-9BB5-D2DF-892756B9342C}"/>
+                <a16:creationId xmlns:a16="http://schemas.microsoft.com/office/drawing/2014/main" id="{B9440D0D-B6DB-61C5-B12B-A36E746A2EF6}"/>
               </a:ext>
             </a:extLst>
           </p:cNvPr>
@@ -236,7 +236,7 @@
           <p:cNvPr id="4" name="日期占位符 3">
             <a:extLst>
               <a:ext uri="{FF2B5EF4-FFF2-40B4-BE49-F238E27FC236}">
-                <a16:creationId xmlns:a16="http://schemas.microsoft.com/office/drawing/2014/main" id="{7442F24B-4C7F-8504-0D72-5699D07704DD}"/>
+                <a16:creationId xmlns:a16="http://schemas.microsoft.com/office/drawing/2014/main" id="{D65F69C9-4081-E648-ADE1-B30B58726D72}"/>
               </a:ext>
             </a:extLst>
           </p:cNvPr>
@@ -252,7 +252,7 @@
           <a:bodyPr/>
           <a:lstStyle/>
           <a:p>
-            <a:fld id="{62CD38D0-5BFA-4502-BE65-9598F128CD52}" type="datetimeFigureOut">
+            <a:fld id="{EA474D90-D31B-4C95-A52C-EB1E23530CC0}" type="datetimeFigureOut">
               <a:rPr lang="zh-CN" altLang="en-US" smtClean="0"/>
               <a:t>2024/3/10</a:t>
             </a:fld>
@@ -265,7 +265,7 @@
           <p:cNvPr id="5" name="页脚占位符 4">
             <a:extLst>
               <a:ext uri="{FF2B5EF4-FFF2-40B4-BE49-F238E27FC236}">
-                <a16:creationId xmlns:a16="http://schemas.microsoft.com/office/drawing/2014/main" id="{86477014-E400-603A-6B29-1F1726505254}"/>
+                <a16:creationId xmlns:a16="http://schemas.microsoft.com/office/drawing/2014/main" id="{C3AEE597-D94C-0F05-9012-AFC38FE10B6F}"/>
               </a:ext>
             </a:extLst>
           </p:cNvPr>
@@ -290,7 +290,7 @@
           <p:cNvPr id="6" name="灯片编号占位符 5">
             <a:extLst>
               <a:ext uri="{FF2B5EF4-FFF2-40B4-BE49-F238E27FC236}">
-                <a16:creationId xmlns:a16="http://schemas.microsoft.com/office/drawing/2014/main" id="{46E676A7-45D1-F542-F891-E2DA6A04450F}"/>
+                <a16:creationId xmlns:a16="http://schemas.microsoft.com/office/drawing/2014/main" id="{C12DCCE9-16E3-4E99-1E84-9D82408341A4}"/>
               </a:ext>
             </a:extLst>
           </p:cNvPr>
@@ -306,7 +306,7 @@
           <a:bodyPr/>
           <a:lstStyle/>
           <a:p>
-            <a:fld id="{FD2C2A22-08A6-4750-B6BE-B88670B9E06D}" type="slidenum">
+            <a:fld id="{93BAACA7-2192-41A7-A0A9-87F916722BEF}" type="slidenum">
               <a:rPr lang="zh-CN" altLang="en-US" smtClean="0"/>
               <a:t>‹#›</a:t>
             </a:fld>
@@ -317,7 +317,7 @@
     </p:spTree>
     <p:extLst>
       <p:ext uri="{BB962C8B-B14F-4D97-AF65-F5344CB8AC3E}">
-        <p14:creationId xmlns:p14="http://schemas.microsoft.com/office/powerpoint/2010/main" val="3523482867"/>
+        <p14:creationId xmlns:p14="http://schemas.microsoft.com/office/powerpoint/2010/main" val="1604804762"/>
       </p:ext>
     </p:extLst>
   </p:cSld>
@@ -349,7 +349,7 @@
           <p:cNvPr id="2" name="标题 1">
             <a:extLst>
               <a:ext uri="{FF2B5EF4-FFF2-40B4-BE49-F238E27FC236}">
-                <a16:creationId xmlns:a16="http://schemas.microsoft.com/office/drawing/2014/main" id="{7DBF3B86-E753-2B50-7263-5E85AC92B599}"/>
+                <a16:creationId xmlns:a16="http://schemas.microsoft.com/office/drawing/2014/main" id="{D6B030D9-CB14-3901-8AE3-E361745A8B48}"/>
               </a:ext>
             </a:extLst>
           </p:cNvPr>
@@ -377,7 +377,7 @@
           <p:cNvPr id="3" name="竖排文字占位符 2">
             <a:extLst>
               <a:ext uri="{FF2B5EF4-FFF2-40B4-BE49-F238E27FC236}">
-                <a16:creationId xmlns:a16="http://schemas.microsoft.com/office/drawing/2014/main" id="{F1B4B195-C549-DE6D-94F0-BB2A4B7BACFD}"/>
+                <a16:creationId xmlns:a16="http://schemas.microsoft.com/office/drawing/2014/main" id="{06FC0860-B491-17FF-8FF7-2832E263D915}"/>
               </a:ext>
             </a:extLst>
           </p:cNvPr>
@@ -434,7 +434,7 @@
           <p:cNvPr id="4" name="日期占位符 3">
             <a:extLst>
               <a:ext uri="{FF2B5EF4-FFF2-40B4-BE49-F238E27FC236}">
-                <a16:creationId xmlns:a16="http://schemas.microsoft.com/office/drawing/2014/main" id="{629DB411-FEB7-2D06-2F5E-6B8C9E5791D2}"/>
+                <a16:creationId xmlns:a16="http://schemas.microsoft.com/office/drawing/2014/main" id="{ECA2D475-D9ED-1E24-D0A1-7B1CC39EAE26}"/>
               </a:ext>
             </a:extLst>
           </p:cNvPr>
@@ -450,7 +450,7 @@
           <a:bodyPr/>
           <a:lstStyle/>
           <a:p>
-            <a:fld id="{62CD38D0-5BFA-4502-BE65-9598F128CD52}" type="datetimeFigureOut">
+            <a:fld id="{EA474D90-D31B-4C95-A52C-EB1E23530CC0}" type="datetimeFigureOut">
               <a:rPr lang="zh-CN" altLang="en-US" smtClean="0"/>
               <a:t>2024/3/10</a:t>
             </a:fld>
@@ -463,7 +463,7 @@
           <p:cNvPr id="5" name="页脚占位符 4">
             <a:extLst>
               <a:ext uri="{FF2B5EF4-FFF2-40B4-BE49-F238E27FC236}">
-                <a16:creationId xmlns:a16="http://schemas.microsoft.com/office/drawing/2014/main" id="{7E0E8F6A-4679-8161-7837-4D85C4FC5D1C}"/>
+                <a16:creationId xmlns:a16="http://schemas.microsoft.com/office/drawing/2014/main" id="{3446BDC7-146E-F87B-5EDC-FFB0BEB293F0}"/>
               </a:ext>
             </a:extLst>
           </p:cNvPr>
@@ -488,7 +488,7 @@
           <p:cNvPr id="6" name="灯片编号占位符 5">
             <a:extLst>
               <a:ext uri="{FF2B5EF4-FFF2-40B4-BE49-F238E27FC236}">
-                <a16:creationId xmlns:a16="http://schemas.microsoft.com/office/drawing/2014/main" id="{457354A0-C8D6-1316-A4BF-D6A8BAF94C3D}"/>
+                <a16:creationId xmlns:a16="http://schemas.microsoft.com/office/drawing/2014/main" id="{3EE13007-3051-99A9-162F-9056A95D9219}"/>
               </a:ext>
             </a:extLst>
           </p:cNvPr>
@@ -504,7 +504,7 @@
           <a:bodyPr/>
           <a:lstStyle/>
           <a:p>
-            <a:fld id="{FD2C2A22-08A6-4750-B6BE-B88670B9E06D}" type="slidenum">
+            <a:fld id="{93BAACA7-2192-41A7-A0A9-87F916722BEF}" type="slidenum">
               <a:rPr lang="zh-CN" altLang="en-US" smtClean="0"/>
               <a:t>‹#›</a:t>
             </a:fld>
@@ -515,7 +515,7 @@
     </p:spTree>
     <p:extLst>
       <p:ext uri="{BB962C8B-B14F-4D97-AF65-F5344CB8AC3E}">
-        <p14:creationId xmlns:p14="http://schemas.microsoft.com/office/powerpoint/2010/main" val="1463361920"/>
+        <p14:creationId xmlns:p14="http://schemas.microsoft.com/office/powerpoint/2010/main" val="3126375046"/>
       </p:ext>
     </p:extLst>
   </p:cSld>
@@ -547,7 +547,7 @@
           <p:cNvPr id="2" name="竖排标题 1">
             <a:extLst>
               <a:ext uri="{FF2B5EF4-FFF2-40B4-BE49-F238E27FC236}">
-                <a16:creationId xmlns:a16="http://schemas.microsoft.com/office/drawing/2014/main" id="{C9247ADA-8B5D-EC37-9E45-F4D36716CCDB}"/>
+                <a16:creationId xmlns:a16="http://schemas.microsoft.com/office/drawing/2014/main" id="{89DBA2E9-8889-1712-1E7A-DD475145FF5E}"/>
               </a:ext>
             </a:extLst>
           </p:cNvPr>
@@ -580,7 +580,7 @@
           <p:cNvPr id="3" name="竖排文字占位符 2">
             <a:extLst>
               <a:ext uri="{FF2B5EF4-FFF2-40B4-BE49-F238E27FC236}">
-                <a16:creationId xmlns:a16="http://schemas.microsoft.com/office/drawing/2014/main" id="{21417D0D-F3F0-F01B-8A7C-A399530BAFD5}"/>
+                <a16:creationId xmlns:a16="http://schemas.microsoft.com/office/drawing/2014/main" id="{8B023C24-68BF-E6DD-09E7-D307CE121D8F}"/>
               </a:ext>
             </a:extLst>
           </p:cNvPr>
@@ -642,7 +642,7 @@
           <p:cNvPr id="4" name="日期占位符 3">
             <a:extLst>
               <a:ext uri="{FF2B5EF4-FFF2-40B4-BE49-F238E27FC236}">
-                <a16:creationId xmlns:a16="http://schemas.microsoft.com/office/drawing/2014/main" id="{7032D4AB-4F7B-856B-4D9C-9F86782A385C}"/>
+                <a16:creationId xmlns:a16="http://schemas.microsoft.com/office/drawing/2014/main" id="{56A9554F-FE4D-59AC-364D-AEAADD783319}"/>
               </a:ext>
             </a:extLst>
           </p:cNvPr>
@@ -658,7 +658,7 @@
           <a:bodyPr/>
           <a:lstStyle/>
           <a:p>
-            <a:fld id="{62CD38D0-5BFA-4502-BE65-9598F128CD52}" type="datetimeFigureOut">
+            <a:fld id="{EA474D90-D31B-4C95-A52C-EB1E23530CC0}" type="datetimeFigureOut">
               <a:rPr lang="zh-CN" altLang="en-US" smtClean="0"/>
               <a:t>2024/3/10</a:t>
             </a:fld>
@@ -671,7 +671,7 @@
           <p:cNvPr id="5" name="页脚占位符 4">
             <a:extLst>
               <a:ext uri="{FF2B5EF4-FFF2-40B4-BE49-F238E27FC236}">
-                <a16:creationId xmlns:a16="http://schemas.microsoft.com/office/drawing/2014/main" id="{516516E6-251E-9938-8B2B-71427014BB5F}"/>
+                <a16:creationId xmlns:a16="http://schemas.microsoft.com/office/drawing/2014/main" id="{7853B00E-8E70-8A60-256A-17266E72FFD7}"/>
               </a:ext>
             </a:extLst>
           </p:cNvPr>
@@ -696,7 +696,7 @@
           <p:cNvPr id="6" name="灯片编号占位符 5">
             <a:extLst>
               <a:ext uri="{FF2B5EF4-FFF2-40B4-BE49-F238E27FC236}">
-                <a16:creationId xmlns:a16="http://schemas.microsoft.com/office/drawing/2014/main" id="{AD6D3F47-33FE-DE6C-79CA-715EADCF318B}"/>
+                <a16:creationId xmlns:a16="http://schemas.microsoft.com/office/drawing/2014/main" id="{13EF9062-9594-37EB-81AE-82C5C835BF9F}"/>
               </a:ext>
             </a:extLst>
           </p:cNvPr>
@@ -712,7 +712,7 @@
           <a:bodyPr/>
           <a:lstStyle/>
           <a:p>
-            <a:fld id="{FD2C2A22-08A6-4750-B6BE-B88670B9E06D}" type="slidenum">
+            <a:fld id="{93BAACA7-2192-41A7-A0A9-87F916722BEF}" type="slidenum">
               <a:rPr lang="zh-CN" altLang="en-US" smtClean="0"/>
               <a:t>‹#›</a:t>
             </a:fld>
@@ -723,7 +723,7 @@
     </p:spTree>
     <p:extLst>
       <p:ext uri="{BB962C8B-B14F-4D97-AF65-F5344CB8AC3E}">
-        <p14:creationId xmlns:p14="http://schemas.microsoft.com/office/powerpoint/2010/main" val="1031388756"/>
+        <p14:creationId xmlns:p14="http://schemas.microsoft.com/office/powerpoint/2010/main" val="853488237"/>
       </p:ext>
     </p:extLst>
   </p:cSld>
@@ -755,7 +755,7 @@
           <p:cNvPr id="2" name="标题 1">
             <a:extLst>
               <a:ext uri="{FF2B5EF4-FFF2-40B4-BE49-F238E27FC236}">
-                <a16:creationId xmlns:a16="http://schemas.microsoft.com/office/drawing/2014/main" id="{24298E0B-BE73-35F4-348E-D12CDB156051}"/>
+                <a16:creationId xmlns:a16="http://schemas.microsoft.com/office/drawing/2014/main" id="{4DC68498-33B8-E3F2-84F2-9028B4E5A10B}"/>
               </a:ext>
             </a:extLst>
           </p:cNvPr>
@@ -783,7 +783,7 @@
           <p:cNvPr id="3" name="内容占位符 2">
             <a:extLst>
               <a:ext uri="{FF2B5EF4-FFF2-40B4-BE49-F238E27FC236}">
-                <a16:creationId xmlns:a16="http://schemas.microsoft.com/office/drawing/2014/main" id="{92F1882D-C7D1-CFE5-F623-A73E23B2CA85}"/>
+                <a16:creationId xmlns:a16="http://schemas.microsoft.com/office/drawing/2014/main" id="{44767F05-06D9-711E-8FBA-41F1D7D9C636}"/>
               </a:ext>
             </a:extLst>
           </p:cNvPr>
@@ -840,7 +840,7 @@
           <p:cNvPr id="4" name="日期占位符 3">
             <a:extLst>
               <a:ext uri="{FF2B5EF4-FFF2-40B4-BE49-F238E27FC236}">
-                <a16:creationId xmlns:a16="http://schemas.microsoft.com/office/drawing/2014/main" id="{F727CD22-0707-4D11-2826-9650C43C5373}"/>
+                <a16:creationId xmlns:a16="http://schemas.microsoft.com/office/drawing/2014/main" id="{A805F8EF-7036-C525-608A-2A1BE424A0C6}"/>
               </a:ext>
             </a:extLst>
           </p:cNvPr>
@@ -856,7 +856,7 @@
           <a:bodyPr/>
           <a:lstStyle/>
           <a:p>
-            <a:fld id="{62CD38D0-5BFA-4502-BE65-9598F128CD52}" type="datetimeFigureOut">
+            <a:fld id="{EA474D90-D31B-4C95-A52C-EB1E23530CC0}" type="datetimeFigureOut">
               <a:rPr lang="zh-CN" altLang="en-US" smtClean="0"/>
               <a:t>2024/3/10</a:t>
             </a:fld>
@@ -869,7 +869,7 @@
           <p:cNvPr id="5" name="页脚占位符 4">
             <a:extLst>
               <a:ext uri="{FF2B5EF4-FFF2-40B4-BE49-F238E27FC236}">
-                <a16:creationId xmlns:a16="http://schemas.microsoft.com/office/drawing/2014/main" id="{82E3DDB9-D47D-764D-93DB-F19327D4CBAB}"/>
+                <a16:creationId xmlns:a16="http://schemas.microsoft.com/office/drawing/2014/main" id="{BAD051D1-3453-44D1-0A1F-97459353FAC7}"/>
               </a:ext>
             </a:extLst>
           </p:cNvPr>
@@ -894,7 +894,7 @@
           <p:cNvPr id="6" name="灯片编号占位符 5">
             <a:extLst>
               <a:ext uri="{FF2B5EF4-FFF2-40B4-BE49-F238E27FC236}">
-                <a16:creationId xmlns:a16="http://schemas.microsoft.com/office/drawing/2014/main" id="{719A8414-8429-F59B-A775-7280C7DDC745}"/>
+                <a16:creationId xmlns:a16="http://schemas.microsoft.com/office/drawing/2014/main" id="{DFD66A4A-7204-A3E2-B5D0-7CC6157D7C17}"/>
               </a:ext>
             </a:extLst>
           </p:cNvPr>
@@ -910,7 +910,7 @@
           <a:bodyPr/>
           <a:lstStyle/>
           <a:p>
-            <a:fld id="{FD2C2A22-08A6-4750-B6BE-B88670B9E06D}" type="slidenum">
+            <a:fld id="{93BAACA7-2192-41A7-A0A9-87F916722BEF}" type="slidenum">
               <a:rPr lang="zh-CN" altLang="en-US" smtClean="0"/>
               <a:t>‹#›</a:t>
             </a:fld>
@@ -921,7 +921,7 @@
     </p:spTree>
     <p:extLst>
       <p:ext uri="{BB962C8B-B14F-4D97-AF65-F5344CB8AC3E}">
-        <p14:creationId xmlns:p14="http://schemas.microsoft.com/office/powerpoint/2010/main" val="1391134216"/>
+        <p14:creationId xmlns:p14="http://schemas.microsoft.com/office/powerpoint/2010/main" val="1178848793"/>
       </p:ext>
     </p:extLst>
   </p:cSld>
@@ -953,7 +953,7 @@
           <p:cNvPr id="2" name="标题 1">
             <a:extLst>
               <a:ext uri="{FF2B5EF4-FFF2-40B4-BE49-F238E27FC236}">
-                <a16:creationId xmlns:a16="http://schemas.microsoft.com/office/drawing/2014/main" id="{E1A1F78D-71A3-04E6-239A-007E270187A8}"/>
+                <a16:creationId xmlns:a16="http://schemas.microsoft.com/office/drawing/2014/main" id="{7BE47A96-FE51-12A4-2CBC-E4C8804CE212}"/>
               </a:ext>
             </a:extLst>
           </p:cNvPr>
@@ -990,7 +990,7 @@
           <p:cNvPr id="3" name="文本占位符 2">
             <a:extLst>
               <a:ext uri="{FF2B5EF4-FFF2-40B4-BE49-F238E27FC236}">
-                <a16:creationId xmlns:a16="http://schemas.microsoft.com/office/drawing/2014/main" id="{F0AA3E03-B769-BF8F-3CEB-D77634804E4B}"/>
+                <a16:creationId xmlns:a16="http://schemas.microsoft.com/office/drawing/2014/main" id="{161C3DCE-F1D8-0073-B702-A4E3EA77CA0E}"/>
               </a:ext>
             </a:extLst>
           </p:cNvPr>
@@ -1115,7 +1115,7 @@
           <p:cNvPr id="4" name="日期占位符 3">
             <a:extLst>
               <a:ext uri="{FF2B5EF4-FFF2-40B4-BE49-F238E27FC236}">
-                <a16:creationId xmlns:a16="http://schemas.microsoft.com/office/drawing/2014/main" id="{7B922FE0-9CC6-C516-6BDE-A5DB3EAFCBFE}"/>
+                <a16:creationId xmlns:a16="http://schemas.microsoft.com/office/drawing/2014/main" id="{1885E858-D8E9-9CE5-6016-5005C627CED7}"/>
               </a:ext>
             </a:extLst>
           </p:cNvPr>
@@ -1131,7 +1131,7 @@
           <a:bodyPr/>
           <a:lstStyle/>
           <a:p>
-            <a:fld id="{62CD38D0-5BFA-4502-BE65-9598F128CD52}" type="datetimeFigureOut">
+            <a:fld id="{EA474D90-D31B-4C95-A52C-EB1E23530CC0}" type="datetimeFigureOut">
               <a:rPr lang="zh-CN" altLang="en-US" smtClean="0"/>
               <a:t>2024/3/10</a:t>
             </a:fld>
@@ -1144,7 +1144,7 @@
           <p:cNvPr id="5" name="页脚占位符 4">
             <a:extLst>
               <a:ext uri="{FF2B5EF4-FFF2-40B4-BE49-F238E27FC236}">
-                <a16:creationId xmlns:a16="http://schemas.microsoft.com/office/drawing/2014/main" id="{6891F847-49C7-C6A4-545E-E5BC7FF847F7}"/>
+                <a16:creationId xmlns:a16="http://schemas.microsoft.com/office/drawing/2014/main" id="{83376510-8F05-286B-8289-FA898555F8B3}"/>
               </a:ext>
             </a:extLst>
           </p:cNvPr>
@@ -1169,7 +1169,7 @@
           <p:cNvPr id="6" name="灯片编号占位符 5">
             <a:extLst>
               <a:ext uri="{FF2B5EF4-FFF2-40B4-BE49-F238E27FC236}">
-                <a16:creationId xmlns:a16="http://schemas.microsoft.com/office/drawing/2014/main" id="{BED64F37-2963-1295-D14D-B2543B937901}"/>
+                <a16:creationId xmlns:a16="http://schemas.microsoft.com/office/drawing/2014/main" id="{C08B35E1-5969-AD4C-5F97-775D43EA862F}"/>
               </a:ext>
             </a:extLst>
           </p:cNvPr>
@@ -1185,7 +1185,7 @@
           <a:bodyPr/>
           <a:lstStyle/>
           <a:p>
-            <a:fld id="{FD2C2A22-08A6-4750-B6BE-B88670B9E06D}" type="slidenum">
+            <a:fld id="{93BAACA7-2192-41A7-A0A9-87F916722BEF}" type="slidenum">
               <a:rPr lang="zh-CN" altLang="en-US" smtClean="0"/>
               <a:t>‹#›</a:t>
             </a:fld>
@@ -1196,7 +1196,7 @@
     </p:spTree>
     <p:extLst>
       <p:ext uri="{BB962C8B-B14F-4D97-AF65-F5344CB8AC3E}">
-        <p14:creationId xmlns:p14="http://schemas.microsoft.com/office/powerpoint/2010/main" val="3532437753"/>
+        <p14:creationId xmlns:p14="http://schemas.microsoft.com/office/powerpoint/2010/main" val="3876958004"/>
       </p:ext>
     </p:extLst>
   </p:cSld>
@@ -1228,7 +1228,7 @@
           <p:cNvPr id="2" name="标题 1">
             <a:extLst>
               <a:ext uri="{FF2B5EF4-FFF2-40B4-BE49-F238E27FC236}">
-                <a16:creationId xmlns:a16="http://schemas.microsoft.com/office/drawing/2014/main" id="{F8838BF9-B1B0-2EDC-67C9-4C4EE41CC6DE}"/>
+                <a16:creationId xmlns:a16="http://schemas.microsoft.com/office/drawing/2014/main" id="{43AF2CFF-76CA-E7A4-5D4D-B367AFF7CCB5}"/>
               </a:ext>
             </a:extLst>
           </p:cNvPr>
@@ -1256,7 +1256,7 @@
           <p:cNvPr id="3" name="内容占位符 2">
             <a:extLst>
               <a:ext uri="{FF2B5EF4-FFF2-40B4-BE49-F238E27FC236}">
-                <a16:creationId xmlns:a16="http://schemas.microsoft.com/office/drawing/2014/main" id="{32C4EDBA-B63A-11D0-C3AD-A207B1E0C58B}"/>
+                <a16:creationId xmlns:a16="http://schemas.microsoft.com/office/drawing/2014/main" id="{30B884E6-D464-024B-088B-5A15E1BDFF18}"/>
               </a:ext>
             </a:extLst>
           </p:cNvPr>
@@ -1318,7 +1318,7 @@
           <p:cNvPr id="4" name="内容占位符 3">
             <a:extLst>
               <a:ext uri="{FF2B5EF4-FFF2-40B4-BE49-F238E27FC236}">
-                <a16:creationId xmlns:a16="http://schemas.microsoft.com/office/drawing/2014/main" id="{0C40EF53-EB34-3F90-80B6-E601F8C4F92F}"/>
+                <a16:creationId xmlns:a16="http://schemas.microsoft.com/office/drawing/2014/main" id="{3CDB8487-A144-5A42-6B3C-7E16F16AA245}"/>
               </a:ext>
             </a:extLst>
           </p:cNvPr>
@@ -1380,7 +1380,7 @@
           <p:cNvPr id="5" name="日期占位符 4">
             <a:extLst>
               <a:ext uri="{FF2B5EF4-FFF2-40B4-BE49-F238E27FC236}">
-                <a16:creationId xmlns:a16="http://schemas.microsoft.com/office/drawing/2014/main" id="{A21522BA-FF88-D843-E1AF-E9FE766E568B}"/>
+                <a16:creationId xmlns:a16="http://schemas.microsoft.com/office/drawing/2014/main" id="{19BB46DF-30AA-8DF3-A75C-FB668E5E51C7}"/>
               </a:ext>
             </a:extLst>
           </p:cNvPr>
@@ -1396,7 +1396,7 @@
           <a:bodyPr/>
           <a:lstStyle/>
           <a:p>
-            <a:fld id="{62CD38D0-5BFA-4502-BE65-9598F128CD52}" type="datetimeFigureOut">
+            <a:fld id="{EA474D90-D31B-4C95-A52C-EB1E23530CC0}" type="datetimeFigureOut">
               <a:rPr lang="zh-CN" altLang="en-US" smtClean="0"/>
               <a:t>2024/3/10</a:t>
             </a:fld>
@@ -1409,7 +1409,7 @@
           <p:cNvPr id="6" name="页脚占位符 5">
             <a:extLst>
               <a:ext uri="{FF2B5EF4-FFF2-40B4-BE49-F238E27FC236}">
-                <a16:creationId xmlns:a16="http://schemas.microsoft.com/office/drawing/2014/main" id="{0FEBA94A-0BD0-1299-06C6-2A5DAADC5BEB}"/>
+                <a16:creationId xmlns:a16="http://schemas.microsoft.com/office/drawing/2014/main" id="{C37E8712-E238-2B03-47DF-A63376F58CB5}"/>
               </a:ext>
             </a:extLst>
           </p:cNvPr>
@@ -1434,7 +1434,7 @@
           <p:cNvPr id="7" name="灯片编号占位符 6">
             <a:extLst>
               <a:ext uri="{FF2B5EF4-FFF2-40B4-BE49-F238E27FC236}">
-                <a16:creationId xmlns:a16="http://schemas.microsoft.com/office/drawing/2014/main" id="{56D683A3-612E-25E8-D182-DA56E79C501C}"/>
+                <a16:creationId xmlns:a16="http://schemas.microsoft.com/office/drawing/2014/main" id="{BDE16EF9-9D73-C5A4-2AA3-8B0D913B700E}"/>
               </a:ext>
             </a:extLst>
           </p:cNvPr>
@@ -1450,7 +1450,7 @@
           <a:bodyPr/>
           <a:lstStyle/>
           <a:p>
-            <a:fld id="{FD2C2A22-08A6-4750-B6BE-B88670B9E06D}" type="slidenum">
+            <a:fld id="{93BAACA7-2192-41A7-A0A9-87F916722BEF}" type="slidenum">
               <a:rPr lang="zh-CN" altLang="en-US" smtClean="0"/>
               <a:t>‹#›</a:t>
             </a:fld>
@@ -1461,7 +1461,7 @@
     </p:spTree>
     <p:extLst>
       <p:ext uri="{BB962C8B-B14F-4D97-AF65-F5344CB8AC3E}">
-        <p14:creationId xmlns:p14="http://schemas.microsoft.com/office/powerpoint/2010/main" val="2624868464"/>
+        <p14:creationId xmlns:p14="http://schemas.microsoft.com/office/powerpoint/2010/main" val="1514386144"/>
       </p:ext>
     </p:extLst>
   </p:cSld>
@@ -1493,7 +1493,7 @@
           <p:cNvPr id="2" name="标题 1">
             <a:extLst>
               <a:ext uri="{FF2B5EF4-FFF2-40B4-BE49-F238E27FC236}">
-                <a16:creationId xmlns:a16="http://schemas.microsoft.com/office/drawing/2014/main" id="{F407CE55-64DF-3767-7691-C0338D462E7E}"/>
+                <a16:creationId xmlns:a16="http://schemas.microsoft.com/office/drawing/2014/main" id="{8DAB22FF-9577-84F7-2138-BC097B17B39E}"/>
               </a:ext>
             </a:extLst>
           </p:cNvPr>
@@ -1526,7 +1526,7 @@
           <p:cNvPr id="3" name="文本占位符 2">
             <a:extLst>
               <a:ext uri="{FF2B5EF4-FFF2-40B4-BE49-F238E27FC236}">
-                <a16:creationId xmlns:a16="http://schemas.microsoft.com/office/drawing/2014/main" id="{D3F9F416-C2A0-C5A8-7F16-A111B4CB7E87}"/>
+                <a16:creationId xmlns:a16="http://schemas.microsoft.com/office/drawing/2014/main" id="{85A30500-E554-6FC1-6677-925AB5CB33D9}"/>
               </a:ext>
             </a:extLst>
           </p:cNvPr>
@@ -1597,7 +1597,7 @@
           <p:cNvPr id="4" name="内容占位符 3">
             <a:extLst>
               <a:ext uri="{FF2B5EF4-FFF2-40B4-BE49-F238E27FC236}">
-                <a16:creationId xmlns:a16="http://schemas.microsoft.com/office/drawing/2014/main" id="{9CD71ACD-98AC-4A24-964D-A5E97303D159}"/>
+                <a16:creationId xmlns:a16="http://schemas.microsoft.com/office/drawing/2014/main" id="{B0D5705A-2A4C-12BE-E089-59B16B689DD4}"/>
               </a:ext>
             </a:extLst>
           </p:cNvPr>
@@ -1659,7 +1659,7 @@
           <p:cNvPr id="5" name="文本占位符 4">
             <a:extLst>
               <a:ext uri="{FF2B5EF4-FFF2-40B4-BE49-F238E27FC236}">
-                <a16:creationId xmlns:a16="http://schemas.microsoft.com/office/drawing/2014/main" id="{118828DB-DA26-B8D2-EEB4-6A81D8583ADC}"/>
+                <a16:creationId xmlns:a16="http://schemas.microsoft.com/office/drawing/2014/main" id="{0A5D7DF1-C345-A061-4E62-92A7C847652F}"/>
               </a:ext>
             </a:extLst>
           </p:cNvPr>
@@ -1730,7 +1730,7 @@
           <p:cNvPr id="6" name="内容占位符 5">
             <a:extLst>
               <a:ext uri="{FF2B5EF4-FFF2-40B4-BE49-F238E27FC236}">
-                <a16:creationId xmlns:a16="http://schemas.microsoft.com/office/drawing/2014/main" id="{F980889B-7D2D-B1CB-0D2C-369A5C8CED70}"/>
+                <a16:creationId xmlns:a16="http://schemas.microsoft.com/office/drawing/2014/main" id="{D5BC69CF-B639-FDAA-97E1-74C4EC8326DE}"/>
               </a:ext>
             </a:extLst>
           </p:cNvPr>
@@ -1792,7 +1792,7 @@
           <p:cNvPr id="7" name="日期占位符 6">
             <a:extLst>
               <a:ext uri="{FF2B5EF4-FFF2-40B4-BE49-F238E27FC236}">
-                <a16:creationId xmlns:a16="http://schemas.microsoft.com/office/drawing/2014/main" id="{AC2F2F40-E064-D013-B1D6-C72E6807E9AD}"/>
+                <a16:creationId xmlns:a16="http://schemas.microsoft.com/office/drawing/2014/main" id="{17A3B7EC-428D-6B0B-55E9-043A5FD7765C}"/>
               </a:ext>
             </a:extLst>
           </p:cNvPr>
@@ -1808,7 +1808,7 @@
           <a:bodyPr/>
           <a:lstStyle/>
           <a:p>
-            <a:fld id="{62CD38D0-5BFA-4502-BE65-9598F128CD52}" type="datetimeFigureOut">
+            <a:fld id="{EA474D90-D31B-4C95-A52C-EB1E23530CC0}" type="datetimeFigureOut">
               <a:rPr lang="zh-CN" altLang="en-US" smtClean="0"/>
               <a:t>2024/3/10</a:t>
             </a:fld>
@@ -1821,7 +1821,7 @@
           <p:cNvPr id="8" name="页脚占位符 7">
             <a:extLst>
               <a:ext uri="{FF2B5EF4-FFF2-40B4-BE49-F238E27FC236}">
-                <a16:creationId xmlns:a16="http://schemas.microsoft.com/office/drawing/2014/main" id="{B3FE4DA3-ABE8-3AC1-EC9B-7A4B1EA3DF85}"/>
+                <a16:creationId xmlns:a16="http://schemas.microsoft.com/office/drawing/2014/main" id="{D83CE393-A32B-ADFA-82A3-52D98F31D1F9}"/>
               </a:ext>
             </a:extLst>
           </p:cNvPr>
@@ -1846,7 +1846,7 @@
           <p:cNvPr id="9" name="灯片编号占位符 8">
             <a:extLst>
               <a:ext uri="{FF2B5EF4-FFF2-40B4-BE49-F238E27FC236}">
-                <a16:creationId xmlns:a16="http://schemas.microsoft.com/office/drawing/2014/main" id="{4D384017-AE2D-1530-98B7-4FB2646A9158}"/>
+                <a16:creationId xmlns:a16="http://schemas.microsoft.com/office/drawing/2014/main" id="{B1208DBA-A808-8AC4-255D-E5E1F858F3CB}"/>
               </a:ext>
             </a:extLst>
           </p:cNvPr>
@@ -1862,7 +1862,7 @@
           <a:bodyPr/>
           <a:lstStyle/>
           <a:p>
-            <a:fld id="{FD2C2A22-08A6-4750-B6BE-B88670B9E06D}" type="slidenum">
+            <a:fld id="{93BAACA7-2192-41A7-A0A9-87F916722BEF}" type="slidenum">
               <a:rPr lang="zh-CN" altLang="en-US" smtClean="0"/>
               <a:t>‹#›</a:t>
             </a:fld>
@@ -1873,7 +1873,7 @@
     </p:spTree>
     <p:extLst>
       <p:ext uri="{BB962C8B-B14F-4D97-AF65-F5344CB8AC3E}">
-        <p14:creationId xmlns:p14="http://schemas.microsoft.com/office/powerpoint/2010/main" val="2833167923"/>
+        <p14:creationId xmlns:p14="http://schemas.microsoft.com/office/powerpoint/2010/main" val="3999934641"/>
       </p:ext>
     </p:extLst>
   </p:cSld>
@@ -1905,7 +1905,7 @@
           <p:cNvPr id="2" name="标题 1">
             <a:extLst>
               <a:ext uri="{FF2B5EF4-FFF2-40B4-BE49-F238E27FC236}">
-                <a16:creationId xmlns:a16="http://schemas.microsoft.com/office/drawing/2014/main" id="{8FD7D487-A054-ECDA-D40F-3A39711107CB}"/>
+                <a16:creationId xmlns:a16="http://schemas.microsoft.com/office/drawing/2014/main" id="{839AA62D-03FF-D344-8350-216BD05F4035}"/>
               </a:ext>
             </a:extLst>
           </p:cNvPr>
@@ -1933,7 +1933,7 @@
           <p:cNvPr id="3" name="日期占位符 2">
             <a:extLst>
               <a:ext uri="{FF2B5EF4-FFF2-40B4-BE49-F238E27FC236}">
-                <a16:creationId xmlns:a16="http://schemas.microsoft.com/office/drawing/2014/main" id="{CAA9ED66-06FA-7A93-3999-8DACDB513764}"/>
+                <a16:creationId xmlns:a16="http://schemas.microsoft.com/office/drawing/2014/main" id="{40FD2911-FE89-BBB7-18D6-FDAEC3CF018A}"/>
               </a:ext>
             </a:extLst>
           </p:cNvPr>
@@ -1949,7 +1949,7 @@
           <a:bodyPr/>
           <a:lstStyle/>
           <a:p>
-            <a:fld id="{62CD38D0-5BFA-4502-BE65-9598F128CD52}" type="datetimeFigureOut">
+            <a:fld id="{EA474D90-D31B-4C95-A52C-EB1E23530CC0}" type="datetimeFigureOut">
               <a:rPr lang="zh-CN" altLang="en-US" smtClean="0"/>
               <a:t>2024/3/10</a:t>
             </a:fld>
@@ -1962,7 +1962,7 @@
           <p:cNvPr id="4" name="页脚占位符 3">
             <a:extLst>
               <a:ext uri="{FF2B5EF4-FFF2-40B4-BE49-F238E27FC236}">
-                <a16:creationId xmlns:a16="http://schemas.microsoft.com/office/drawing/2014/main" id="{75464A16-F23C-E10A-C320-3BAFEEA578DC}"/>
+                <a16:creationId xmlns:a16="http://schemas.microsoft.com/office/drawing/2014/main" id="{5BE5703E-3B6C-984B-2703-76519C24227A}"/>
               </a:ext>
             </a:extLst>
           </p:cNvPr>
@@ -1987,7 +1987,7 @@
           <p:cNvPr id="5" name="灯片编号占位符 4">
             <a:extLst>
               <a:ext uri="{FF2B5EF4-FFF2-40B4-BE49-F238E27FC236}">
-                <a16:creationId xmlns:a16="http://schemas.microsoft.com/office/drawing/2014/main" id="{76FED8FE-3F08-7AF8-EB95-75D1D6603C87}"/>
+                <a16:creationId xmlns:a16="http://schemas.microsoft.com/office/drawing/2014/main" id="{F4C15E68-50DC-DA57-90D5-112C7DF413BA}"/>
               </a:ext>
             </a:extLst>
           </p:cNvPr>
@@ -2003,7 +2003,7 @@
           <a:bodyPr/>
           <a:lstStyle/>
           <a:p>
-            <a:fld id="{FD2C2A22-08A6-4750-B6BE-B88670B9E06D}" type="slidenum">
+            <a:fld id="{93BAACA7-2192-41A7-A0A9-87F916722BEF}" type="slidenum">
               <a:rPr lang="zh-CN" altLang="en-US" smtClean="0"/>
               <a:t>‹#›</a:t>
             </a:fld>
@@ -2014,7 +2014,7 @@
     </p:spTree>
     <p:extLst>
       <p:ext uri="{BB962C8B-B14F-4D97-AF65-F5344CB8AC3E}">
-        <p14:creationId xmlns:p14="http://schemas.microsoft.com/office/powerpoint/2010/main" val="306087688"/>
+        <p14:creationId xmlns:p14="http://schemas.microsoft.com/office/powerpoint/2010/main" val="4144042052"/>
       </p:ext>
     </p:extLst>
   </p:cSld>
@@ -2046,7 +2046,7 @@
           <p:cNvPr id="2" name="日期占位符 1">
             <a:extLst>
               <a:ext uri="{FF2B5EF4-FFF2-40B4-BE49-F238E27FC236}">
-                <a16:creationId xmlns:a16="http://schemas.microsoft.com/office/drawing/2014/main" id="{16138CEE-AB41-FA8B-451F-6288B83672E2}"/>
+                <a16:creationId xmlns:a16="http://schemas.microsoft.com/office/drawing/2014/main" id="{73EFCFC8-53AF-D9F1-F0D9-D1D8293EC7E7}"/>
               </a:ext>
             </a:extLst>
           </p:cNvPr>
@@ -2062,7 +2062,7 @@
           <a:bodyPr/>
           <a:lstStyle/>
           <a:p>
-            <a:fld id="{62CD38D0-5BFA-4502-BE65-9598F128CD52}" type="datetimeFigureOut">
+            <a:fld id="{EA474D90-D31B-4C95-A52C-EB1E23530CC0}" type="datetimeFigureOut">
               <a:rPr lang="zh-CN" altLang="en-US" smtClean="0"/>
               <a:t>2024/3/10</a:t>
             </a:fld>
@@ -2075,7 +2075,7 @@
           <p:cNvPr id="3" name="页脚占位符 2">
             <a:extLst>
               <a:ext uri="{FF2B5EF4-FFF2-40B4-BE49-F238E27FC236}">
-                <a16:creationId xmlns:a16="http://schemas.microsoft.com/office/drawing/2014/main" id="{615EA93A-78E2-198C-B5E6-2012C66F5119}"/>
+                <a16:creationId xmlns:a16="http://schemas.microsoft.com/office/drawing/2014/main" id="{CDEC1AA5-E68E-FA06-C1AE-7B69C3CA9777}"/>
               </a:ext>
             </a:extLst>
           </p:cNvPr>
@@ -2100,7 +2100,7 @@
           <p:cNvPr id="4" name="灯片编号占位符 3">
             <a:extLst>
               <a:ext uri="{FF2B5EF4-FFF2-40B4-BE49-F238E27FC236}">
-                <a16:creationId xmlns:a16="http://schemas.microsoft.com/office/drawing/2014/main" id="{44F62E11-B194-85A3-8DF0-EAEFA13041BE}"/>
+                <a16:creationId xmlns:a16="http://schemas.microsoft.com/office/drawing/2014/main" id="{A3499A77-A6FC-A4EB-0766-5DBBD64B1F3C}"/>
               </a:ext>
             </a:extLst>
           </p:cNvPr>
@@ -2116,7 +2116,7 @@
           <a:bodyPr/>
           <a:lstStyle/>
           <a:p>
-            <a:fld id="{FD2C2A22-08A6-4750-B6BE-B88670B9E06D}" type="slidenum">
+            <a:fld id="{93BAACA7-2192-41A7-A0A9-87F916722BEF}" type="slidenum">
               <a:rPr lang="zh-CN" altLang="en-US" smtClean="0"/>
               <a:t>‹#›</a:t>
             </a:fld>
@@ -2127,7 +2127,7 @@
     </p:spTree>
     <p:extLst>
       <p:ext uri="{BB962C8B-B14F-4D97-AF65-F5344CB8AC3E}">
-        <p14:creationId xmlns:p14="http://schemas.microsoft.com/office/powerpoint/2010/main" val="2815369844"/>
+        <p14:creationId xmlns:p14="http://schemas.microsoft.com/office/powerpoint/2010/main" val="2463416180"/>
       </p:ext>
     </p:extLst>
   </p:cSld>
@@ -2159,7 +2159,7 @@
           <p:cNvPr id="2" name="标题 1">
             <a:extLst>
               <a:ext uri="{FF2B5EF4-FFF2-40B4-BE49-F238E27FC236}">
-                <a16:creationId xmlns:a16="http://schemas.microsoft.com/office/drawing/2014/main" id="{D1BB1B46-607E-B4A0-4106-ACFAEA854BAF}"/>
+                <a16:creationId xmlns:a16="http://schemas.microsoft.com/office/drawing/2014/main" id="{A24EA280-0A66-213B-1AFD-14E645CC5BFC}"/>
               </a:ext>
             </a:extLst>
           </p:cNvPr>
@@ -2196,7 +2196,7 @@
           <p:cNvPr id="3" name="内容占位符 2">
             <a:extLst>
               <a:ext uri="{FF2B5EF4-FFF2-40B4-BE49-F238E27FC236}">
-                <a16:creationId xmlns:a16="http://schemas.microsoft.com/office/drawing/2014/main" id="{5E587989-D5FC-4FFA-BA9F-766C099E4CEE}"/>
+                <a16:creationId xmlns:a16="http://schemas.microsoft.com/office/drawing/2014/main" id="{0735CDD7-4344-8A5E-325A-9631C8F10E58}"/>
               </a:ext>
             </a:extLst>
           </p:cNvPr>
@@ -2286,7 +2286,7 @@
           <p:cNvPr id="4" name="文本占位符 3">
             <a:extLst>
               <a:ext uri="{FF2B5EF4-FFF2-40B4-BE49-F238E27FC236}">
-                <a16:creationId xmlns:a16="http://schemas.microsoft.com/office/drawing/2014/main" id="{428719F1-B753-60C7-3C90-7C3175799C44}"/>
+                <a16:creationId xmlns:a16="http://schemas.microsoft.com/office/drawing/2014/main" id="{14C3CC22-6320-1EF9-6E0E-25FF0683C03B}"/>
               </a:ext>
             </a:extLst>
           </p:cNvPr>
@@ -2357,7 +2357,7 @@
           <p:cNvPr id="5" name="日期占位符 4">
             <a:extLst>
               <a:ext uri="{FF2B5EF4-FFF2-40B4-BE49-F238E27FC236}">
-                <a16:creationId xmlns:a16="http://schemas.microsoft.com/office/drawing/2014/main" id="{B63631F7-E07F-D260-6075-F083045FC790}"/>
+                <a16:creationId xmlns:a16="http://schemas.microsoft.com/office/drawing/2014/main" id="{EBCB964A-1C90-7361-7B31-ABC3D33EBA78}"/>
               </a:ext>
             </a:extLst>
           </p:cNvPr>
@@ -2373,7 +2373,7 @@
           <a:bodyPr/>
           <a:lstStyle/>
           <a:p>
-            <a:fld id="{62CD38D0-5BFA-4502-BE65-9598F128CD52}" type="datetimeFigureOut">
+            <a:fld id="{EA474D90-D31B-4C95-A52C-EB1E23530CC0}" type="datetimeFigureOut">
               <a:rPr lang="zh-CN" altLang="en-US" smtClean="0"/>
               <a:t>2024/3/10</a:t>
             </a:fld>
@@ -2386,7 +2386,7 @@
           <p:cNvPr id="6" name="页脚占位符 5">
             <a:extLst>
               <a:ext uri="{FF2B5EF4-FFF2-40B4-BE49-F238E27FC236}">
-                <a16:creationId xmlns:a16="http://schemas.microsoft.com/office/drawing/2014/main" id="{4C771FEB-B0C1-5807-1650-9A9551C24AC9}"/>
+                <a16:creationId xmlns:a16="http://schemas.microsoft.com/office/drawing/2014/main" id="{95D67A33-386F-06F6-47BE-FE7153FCF148}"/>
               </a:ext>
             </a:extLst>
           </p:cNvPr>
@@ -2411,7 +2411,7 @@
           <p:cNvPr id="7" name="灯片编号占位符 6">
             <a:extLst>
               <a:ext uri="{FF2B5EF4-FFF2-40B4-BE49-F238E27FC236}">
-                <a16:creationId xmlns:a16="http://schemas.microsoft.com/office/drawing/2014/main" id="{4A4E3993-8833-C2E5-B281-32E1C9EE7D68}"/>
+                <a16:creationId xmlns:a16="http://schemas.microsoft.com/office/drawing/2014/main" id="{A633D0CE-376A-1688-E8AF-7007945B5A51}"/>
               </a:ext>
             </a:extLst>
           </p:cNvPr>
@@ -2427,7 +2427,7 @@
           <a:bodyPr/>
           <a:lstStyle/>
           <a:p>
-            <a:fld id="{FD2C2A22-08A6-4750-B6BE-B88670B9E06D}" type="slidenum">
+            <a:fld id="{93BAACA7-2192-41A7-A0A9-87F916722BEF}" type="slidenum">
               <a:rPr lang="zh-CN" altLang="en-US" smtClean="0"/>
               <a:t>‹#›</a:t>
             </a:fld>
@@ -2438,7 +2438,7 @@
     </p:spTree>
     <p:extLst>
       <p:ext uri="{BB962C8B-B14F-4D97-AF65-F5344CB8AC3E}">
-        <p14:creationId xmlns:p14="http://schemas.microsoft.com/office/powerpoint/2010/main" val="1936242546"/>
+        <p14:creationId xmlns:p14="http://schemas.microsoft.com/office/powerpoint/2010/main" val="2374559259"/>
       </p:ext>
     </p:extLst>
   </p:cSld>
@@ -2470,7 +2470,7 @@
           <p:cNvPr id="2" name="标题 1">
             <a:extLst>
               <a:ext uri="{FF2B5EF4-FFF2-40B4-BE49-F238E27FC236}">
-                <a16:creationId xmlns:a16="http://schemas.microsoft.com/office/drawing/2014/main" id="{A8DCF93E-1737-D98B-0C13-3CAFAFE29A3D}"/>
+                <a16:creationId xmlns:a16="http://schemas.microsoft.com/office/drawing/2014/main" id="{10BE57ED-EB1A-AFAB-113B-3AE28B344B13}"/>
               </a:ext>
             </a:extLst>
           </p:cNvPr>
@@ -2507,7 +2507,7 @@
           <p:cNvPr id="3" name="图片占位符 2">
             <a:extLst>
               <a:ext uri="{FF2B5EF4-FFF2-40B4-BE49-F238E27FC236}">
-                <a16:creationId xmlns:a16="http://schemas.microsoft.com/office/drawing/2014/main" id="{56EA106F-2BD4-302F-6724-AE2DF04E9E74}"/>
+                <a16:creationId xmlns:a16="http://schemas.microsoft.com/office/drawing/2014/main" id="{20E05BDC-74A1-63EB-CBEA-157A1CCB0739}"/>
               </a:ext>
             </a:extLst>
           </p:cNvPr>
@@ -2574,7 +2574,7 @@
           <p:cNvPr id="4" name="文本占位符 3">
             <a:extLst>
               <a:ext uri="{FF2B5EF4-FFF2-40B4-BE49-F238E27FC236}">
-                <a16:creationId xmlns:a16="http://schemas.microsoft.com/office/drawing/2014/main" id="{4006F6EC-7C2A-5A00-91BD-B5FC2D9B2F51}"/>
+                <a16:creationId xmlns:a16="http://schemas.microsoft.com/office/drawing/2014/main" id="{98D9F2D1-8560-509B-4958-460C175B2BAE}"/>
               </a:ext>
             </a:extLst>
           </p:cNvPr>
@@ -2645,7 +2645,7 @@
           <p:cNvPr id="5" name="日期占位符 4">
             <a:extLst>
               <a:ext uri="{FF2B5EF4-FFF2-40B4-BE49-F238E27FC236}">
-                <a16:creationId xmlns:a16="http://schemas.microsoft.com/office/drawing/2014/main" id="{37B8385F-8AE8-D1D1-6B4C-FB71DC89A384}"/>
+                <a16:creationId xmlns:a16="http://schemas.microsoft.com/office/drawing/2014/main" id="{777FEC00-987E-667A-11DC-B419AE5AEEEA}"/>
               </a:ext>
             </a:extLst>
           </p:cNvPr>
@@ -2661,7 +2661,7 @@
           <a:bodyPr/>
           <a:lstStyle/>
           <a:p>
-            <a:fld id="{62CD38D0-5BFA-4502-BE65-9598F128CD52}" type="datetimeFigureOut">
+            <a:fld id="{EA474D90-D31B-4C95-A52C-EB1E23530CC0}" type="datetimeFigureOut">
               <a:rPr lang="zh-CN" altLang="en-US" smtClean="0"/>
               <a:t>2024/3/10</a:t>
             </a:fld>
@@ -2674,7 +2674,7 @@
           <p:cNvPr id="6" name="页脚占位符 5">
             <a:extLst>
               <a:ext uri="{FF2B5EF4-FFF2-40B4-BE49-F238E27FC236}">
-                <a16:creationId xmlns:a16="http://schemas.microsoft.com/office/drawing/2014/main" id="{D9639580-5824-2784-7D05-BBD6C2496CD4}"/>
+                <a16:creationId xmlns:a16="http://schemas.microsoft.com/office/drawing/2014/main" id="{3D8F7195-0655-DD5C-AC77-EC79732D87BE}"/>
               </a:ext>
             </a:extLst>
           </p:cNvPr>
@@ -2699,7 +2699,7 @@
           <p:cNvPr id="7" name="灯片编号占位符 6">
             <a:extLst>
               <a:ext uri="{FF2B5EF4-FFF2-40B4-BE49-F238E27FC236}">
-                <a16:creationId xmlns:a16="http://schemas.microsoft.com/office/drawing/2014/main" id="{7932E0D5-35FF-2921-253D-FE2B60A5677D}"/>
+                <a16:creationId xmlns:a16="http://schemas.microsoft.com/office/drawing/2014/main" id="{4C1F306B-4F37-95F3-DBDA-980AD8A067DF}"/>
               </a:ext>
             </a:extLst>
           </p:cNvPr>
@@ -2715,7 +2715,7 @@
           <a:bodyPr/>
           <a:lstStyle/>
           <a:p>
-            <a:fld id="{FD2C2A22-08A6-4750-B6BE-B88670B9E06D}" type="slidenum">
+            <a:fld id="{93BAACA7-2192-41A7-A0A9-87F916722BEF}" type="slidenum">
               <a:rPr lang="zh-CN" altLang="en-US" smtClean="0"/>
               <a:t>‹#›</a:t>
             </a:fld>
@@ -2726,7 +2726,7 @@
     </p:spTree>
     <p:extLst>
       <p:ext uri="{BB962C8B-B14F-4D97-AF65-F5344CB8AC3E}">
-        <p14:creationId xmlns:p14="http://schemas.microsoft.com/office/powerpoint/2010/main" val="276351931"/>
+        <p14:creationId xmlns:p14="http://schemas.microsoft.com/office/powerpoint/2010/main" val="3964628865"/>
       </p:ext>
     </p:extLst>
   </p:cSld>
@@ -2763,7 +2763,7 @@
           <p:cNvPr id="2" name="标题占位符 1">
             <a:extLst>
               <a:ext uri="{FF2B5EF4-FFF2-40B4-BE49-F238E27FC236}">
-                <a16:creationId xmlns:a16="http://schemas.microsoft.com/office/drawing/2014/main" id="{ACE7043B-60FE-9B3A-7375-66DE80F88E88}"/>
+                <a16:creationId xmlns:a16="http://schemas.microsoft.com/office/drawing/2014/main" id="{C4E5D4E7-07EC-3E43-87CE-29F46235395A}"/>
               </a:ext>
             </a:extLst>
           </p:cNvPr>
@@ -2801,7 +2801,7 @@
           <p:cNvPr id="3" name="文本占位符 2">
             <a:extLst>
               <a:ext uri="{FF2B5EF4-FFF2-40B4-BE49-F238E27FC236}">
-                <a16:creationId xmlns:a16="http://schemas.microsoft.com/office/drawing/2014/main" id="{4C03F0A2-737F-1FBA-E127-A94617AB3C3F}"/>
+                <a16:creationId xmlns:a16="http://schemas.microsoft.com/office/drawing/2014/main" id="{A525B1F3-93F6-8C5B-8DD2-69066850F29B}"/>
               </a:ext>
             </a:extLst>
           </p:cNvPr>
@@ -2868,7 +2868,7 @@
           <p:cNvPr id="4" name="日期占位符 3">
             <a:extLst>
               <a:ext uri="{FF2B5EF4-FFF2-40B4-BE49-F238E27FC236}">
-                <a16:creationId xmlns:a16="http://schemas.microsoft.com/office/drawing/2014/main" id="{2C9771AA-626B-E0B5-0FAA-C4AB5D93B4CE}"/>
+                <a16:creationId xmlns:a16="http://schemas.microsoft.com/office/drawing/2014/main" id="{11EF67FD-FF55-5E6F-D390-7179406FC7FE}"/>
               </a:ext>
             </a:extLst>
           </p:cNvPr>
@@ -2902,7 +2902,7 @@
             </a:lvl1pPr>
           </a:lstStyle>
           <a:p>
-            <a:fld id="{62CD38D0-5BFA-4502-BE65-9598F128CD52}" type="datetimeFigureOut">
+            <a:fld id="{EA474D90-D31B-4C95-A52C-EB1E23530CC0}" type="datetimeFigureOut">
               <a:rPr lang="zh-CN" altLang="en-US" smtClean="0"/>
               <a:t>2024/3/10</a:t>
             </a:fld>
@@ -2915,7 +2915,7 @@
           <p:cNvPr id="5" name="页脚占位符 4">
             <a:extLst>
               <a:ext uri="{FF2B5EF4-FFF2-40B4-BE49-F238E27FC236}">
-                <a16:creationId xmlns:a16="http://schemas.microsoft.com/office/drawing/2014/main" id="{73084E27-D7ED-DA05-9C5C-96B73E17BA26}"/>
+                <a16:creationId xmlns:a16="http://schemas.microsoft.com/office/drawing/2014/main" id="{E15DDF97-CE13-0E20-183C-A714F676E5B5}"/>
               </a:ext>
             </a:extLst>
           </p:cNvPr>
@@ -2958,7 +2958,7 @@
           <p:cNvPr id="6" name="灯片编号占位符 5">
             <a:extLst>
               <a:ext uri="{FF2B5EF4-FFF2-40B4-BE49-F238E27FC236}">
-                <a16:creationId xmlns:a16="http://schemas.microsoft.com/office/drawing/2014/main" id="{028F4201-37F6-D935-BBA5-56A838B91424}"/>
+                <a16:creationId xmlns:a16="http://schemas.microsoft.com/office/drawing/2014/main" id="{986FB7E7-F924-810E-992F-352E06D450F0}"/>
               </a:ext>
             </a:extLst>
           </p:cNvPr>
@@ -2992,7 +2992,7 @@
             </a:lvl1pPr>
           </a:lstStyle>
           <a:p>
-            <a:fld id="{FD2C2A22-08A6-4750-B6BE-B88670B9E06D}" type="slidenum">
+            <a:fld id="{93BAACA7-2192-41A7-A0A9-87F916722BEF}" type="slidenum">
               <a:rPr lang="zh-CN" altLang="en-US" smtClean="0"/>
               <a:t>‹#›</a:t>
             </a:fld>
@@ -3003,7 +3003,7 @@
     </p:spTree>
     <p:extLst>
       <p:ext uri="{BB962C8B-B14F-4D97-AF65-F5344CB8AC3E}">
-        <p14:creationId xmlns:p14="http://schemas.microsoft.com/office/powerpoint/2010/main" val="1008027561"/>
+        <p14:creationId xmlns:p14="http://schemas.microsoft.com/office/powerpoint/2010/main" val="2377276847"/>
       </p:ext>
     </p:extLst>
   </p:cSld>
@@ -3323,7 +3323,7 @@
       </p:grpSpPr>
       <p:pic>
         <p:nvPicPr>
-          <p:cNvPr id="988162" name="Picture 2" descr="964"/>
+          <p:cNvPr id="989186" name="Picture 2" descr="965"/>
           <p:cNvPicPr>
             <a:picLocks noChangeAspect="1" noChangeArrowheads="1"/>
           </p:cNvPicPr>
@@ -3375,158 +3375,11 @@
           </a:extLst>
         </p:spPr>
       </p:pic>
-      <p:pic>
-        <p:nvPicPr>
-          <p:cNvPr id="989187" name="Picture 3" descr="964-2"/>
-          <p:cNvPicPr>
-            <a:picLocks noChangeAspect="1" noChangeArrowheads="1"/>
-          </p:cNvPicPr>
-          <p:nvPr/>
-        </p:nvPicPr>
-        <p:blipFill>
-          <a:blip r:embed="rId3">
-            <a:extLst>
-              <a:ext uri="{28A0092B-C50C-407E-A947-70E740481C1C}">
-                <a14:useLocalDpi xmlns:a14="http://schemas.microsoft.com/office/drawing/2010/main" val="0"/>
-              </a:ext>
-            </a:extLst>
-          </a:blip>
-          <a:srcRect/>
-          <a:stretch>
-            <a:fillRect/>
-          </a:stretch>
-        </p:blipFill>
-        <p:spPr bwMode="auto">
-          <a:xfrm>
-            <a:off x="1524000" y="0"/>
-            <a:ext cx="9144000" cy="6858000"/>
-          </a:xfrm>
-          <a:prstGeom prst="rect">
-            <a:avLst/>
-          </a:prstGeom>
-          <a:noFill/>
-          <a:ln>
-            <a:noFill/>
-          </a:ln>
-          <a:effectLst/>
-          <a:extLst>
-            <a:ext uri="{909E8E84-426E-40DD-AFC4-6F175D3DCCD1}">
-              <a14:hiddenFill xmlns:a14="http://schemas.microsoft.com/office/drawing/2010/main">
-                <a:solidFill>
-                  <a:srgbClr val="FFFFFF"/>
-                </a:solidFill>
-              </a14:hiddenFill>
-            </a:ext>
-            <a:ext uri="{91240B29-F687-4F45-9708-019B960494DF}">
-              <a14:hiddenLine xmlns:a14="http://schemas.microsoft.com/office/drawing/2010/main" w="9525">
-                <a:solidFill>
-                  <a:srgbClr val="000000"/>
-                </a:solidFill>
-                <a:miter lim="800000"/>
-                <a:headEnd/>
-                <a:tailEnd/>
-              </a14:hiddenLine>
-            </a:ext>
-            <a:ext uri="{AF507438-7753-43E0-B8FC-AC1667EBCBE1}">
-              <a14:hiddenEffects xmlns:a14="http://schemas.microsoft.com/office/drawing/2010/main">
-                <a:effectLst>
-                  <a:outerShdw dist="35921" dir="2700000" algn="ctr" rotWithShape="0">
-                    <a:srgbClr val="808080"/>
-                  </a:outerShdw>
-                </a:effectLst>
-              </a14:hiddenEffects>
-            </a:ext>
-          </a:extLst>
-        </p:spPr>
-      </p:pic>
     </p:spTree>
   </p:cSld>
   <p:clrMapOvr>
     <a:masterClrMapping/>
   </p:clrMapOvr>
-  <p:timing>
-    <p:tnLst>
-      <p:par>
-        <p:cTn id="1" dur="indefinite" restart="never" nodeType="tmRoot">
-          <p:childTnLst>
-            <p:seq concurrent="1" nextAc="seek">
-              <p:cTn id="2" dur="indefinite" nodeType="mainSeq">
-                <p:childTnLst>
-                  <p:par>
-                    <p:cTn id="3" fill="hold" nodeType="clickPar">
-                      <p:stCondLst>
-                        <p:cond delay="indefinite"/>
-                      </p:stCondLst>
-                      <p:childTnLst>
-                        <p:par>
-                          <p:cTn id="4" fill="hold" nodeType="withGroup">
-                            <p:stCondLst>
-                              <p:cond delay="0"/>
-                            </p:stCondLst>
-                            <p:childTnLst>
-                              <p:par>
-                                <p:cTn id="5" presetID="10" presetClass="entr" presetSubtype="0" fill="hold" nodeType="clickEffect">
-                                  <p:stCondLst>
-                                    <p:cond delay="0"/>
-                                  </p:stCondLst>
-                                  <p:childTnLst>
-                                    <p:set>
-                                      <p:cBhvr>
-                                        <p:cTn id="6" dur="1" fill="hold">
-                                          <p:stCondLst>
-                                            <p:cond delay="0"/>
-                                          </p:stCondLst>
-                                        </p:cTn>
-                                        <p:tgtEl>
-                                          <p:spTgt spid="989187"/>
-                                        </p:tgtEl>
-                                        <p:attrNameLst>
-                                          <p:attrName>style.visibility</p:attrName>
-                                        </p:attrNameLst>
-                                      </p:cBhvr>
-                                      <p:to>
-                                        <p:strVal val="visible"/>
-                                      </p:to>
-                                    </p:set>
-                                    <p:animEffect transition="in" filter="fade">
-                                      <p:cBhvr>
-                                        <p:cTn id="7" dur="500"/>
-                                        <p:tgtEl>
-                                          <p:spTgt spid="989187"/>
-                                        </p:tgtEl>
-                                      </p:cBhvr>
-                                    </p:animEffect>
-                                  </p:childTnLst>
-                                </p:cTn>
-                              </p:par>
-                            </p:childTnLst>
-                          </p:cTn>
-                        </p:par>
-                      </p:childTnLst>
-                    </p:cTn>
-                  </p:par>
-                </p:childTnLst>
-              </p:cTn>
-              <p:prevCondLst>
-                <p:cond evt="onPrev" delay="0">
-                  <p:tgtEl>
-                    <p:sldTgt/>
-                  </p:tgtEl>
-                </p:cond>
-              </p:prevCondLst>
-              <p:nextCondLst>
-                <p:cond evt="onNext" delay="0">
-                  <p:tgtEl>
-                    <p:sldTgt/>
-                  </p:tgtEl>
-                </p:cond>
-              </p:nextCondLst>
-            </p:seq>
-          </p:childTnLst>
-        </p:cTn>
-      </p:par>
-    </p:tnLst>
-  </p:timing>
 </p:sld>
 </file>
 
